--- a/组会汇报/2025年4月27日 陈威 基于模型驱动框架的Web代码生成 .pptx
+++ b/组会汇报/2025年4月27日 陈威 基于模型驱动框架的Web代码生成 .pptx
@@ -178,6 +178,202 @@
 </inkml:ink>
 </file>
 
+<file path=ppt/ink/ink3.xml><?xml version="1.0" encoding="utf-8"?>
+<inkml:ink xmlns:inkml="http://www.w3.org/2003/InkML">
+  <inkml:definitions>
+    <inkml:context xml:id="ctx0">
+      <inkml:inkSource xml:id="inkSrc0">
+        <inkml:traceFormat>
+          <inkml:channel name="X" type="integer" min="-2.14748E9" max="2.14748E9" units="cm"/>
+          <inkml:channel name="Y" type="integer" min="-2.14748E9" max="2.14748E9" units="cm"/>
+          <inkml:channel name="F" type="integer" max="32767" units="dev"/>
+        </inkml:traceFormat>
+        <inkml:channelProperties>
+          <inkml:channelProperty channel="X" name="resolution" value="1000" units="1/cm"/>
+          <inkml:channelProperty channel="Y" name="resolution" value="1000" units="1/cm"/>
+          <inkml:channelProperty channel="F" name="resolution" value="0" units="1/dev"/>
+        </inkml:channelProperties>
+      </inkml:inkSource>
+      <inkml:timestamp xml:id="ts0" timeString="2025-04-27T05:26:38.791"/>
+    </inkml:context>
+    <inkml:brush xml:id="br0">
+      <inkml:brushProperty name="width" value="0.05" units="cm"/>
+      <inkml:brushProperty name="height" value="0.05" units="cm"/>
+      <inkml:brushProperty name="color" value="#E71224"/>
+    </inkml:brush>
+  </inkml:definitions>
+  <inkml:trace contextRef="#ctx0" brushRef="#br0">0 1 24575,'0'0'-8191</inkml:trace>
+</inkml:ink>
+</file>
+
+<file path=ppt/ink/ink4.xml><?xml version="1.0" encoding="utf-8"?>
+<inkml:ink xmlns:inkml="http://www.w3.org/2003/InkML">
+  <inkml:definitions>
+    <inkml:context xml:id="ctx0">
+      <inkml:inkSource xml:id="inkSrc0">
+        <inkml:traceFormat>
+          <inkml:channel name="X" type="integer" min="-2.14748E9" max="2.14748E9" units="cm"/>
+          <inkml:channel name="Y" type="integer" min="-2.14748E9" max="2.14748E9" units="cm"/>
+          <inkml:channel name="F" type="integer" max="32767" units="dev"/>
+        </inkml:traceFormat>
+        <inkml:channelProperties>
+          <inkml:channelProperty channel="X" name="resolution" value="1000" units="1/cm"/>
+          <inkml:channelProperty channel="Y" name="resolution" value="1000" units="1/cm"/>
+          <inkml:channelProperty channel="F" name="resolution" value="0" units="1/dev"/>
+        </inkml:channelProperties>
+      </inkml:inkSource>
+      <inkml:timestamp xml:id="ts0" timeString="2025-04-27T05:26:26.103"/>
+    </inkml:context>
+    <inkml:brush xml:id="br0">
+      <inkml:brushProperty name="width" value="0.05" units="cm"/>
+      <inkml:brushProperty name="height" value="0.05" units="cm"/>
+      <inkml:brushProperty name="color" value="#E71224"/>
+    </inkml:brush>
+  </inkml:definitions>
+  <inkml:trace contextRef="#ctx0" brushRef="#br0">0 1 24575,'0'0'-8191</inkml:trace>
+</inkml:ink>
+</file>
+
+<file path=ppt/ink/ink5.xml><?xml version="1.0" encoding="utf-8"?>
+<inkml:ink xmlns:inkml="http://www.w3.org/2003/InkML">
+  <inkml:definitions>
+    <inkml:context xml:id="ctx0">
+      <inkml:inkSource xml:id="inkSrc0">
+        <inkml:traceFormat>
+          <inkml:channel name="X" type="integer" min="-2.14748E9" max="2.14748E9" units="cm"/>
+          <inkml:channel name="Y" type="integer" min="-2.14748E9" max="2.14748E9" units="cm"/>
+          <inkml:channel name="F" type="integer" max="32767" units="dev"/>
+        </inkml:traceFormat>
+        <inkml:channelProperties>
+          <inkml:channelProperty channel="X" name="resolution" value="1000" units="1/cm"/>
+          <inkml:channelProperty channel="Y" name="resolution" value="1000" units="1/cm"/>
+          <inkml:channelProperty channel="F" name="resolution" value="0" units="1/dev"/>
+        </inkml:channelProperties>
+      </inkml:inkSource>
+      <inkml:timestamp xml:id="ts0" timeString="2025-04-27T05:26:26.747"/>
+    </inkml:context>
+    <inkml:brush xml:id="br0">
+      <inkml:brushProperty name="width" value="0.05" units="cm"/>
+      <inkml:brushProperty name="height" value="0.05" units="cm"/>
+      <inkml:brushProperty name="color" value="#E71224"/>
+    </inkml:brush>
+  </inkml:definitions>
+  <inkml:trace contextRef="#ctx0" brushRef="#br0">0 1 24575,'0'0'-8191</inkml:trace>
+</inkml:ink>
+</file>
+
+<file path=ppt/ink/ink6.xml><?xml version="1.0" encoding="utf-8"?>
+<inkml:ink xmlns:inkml="http://www.w3.org/2003/InkML">
+  <inkml:definitions>
+    <inkml:context xml:id="ctx0">
+      <inkml:inkSource xml:id="inkSrc0">
+        <inkml:traceFormat>
+          <inkml:channel name="X" type="integer" min="-2.14748E9" max="2.14748E9" units="cm"/>
+          <inkml:channel name="Y" type="integer" min="-2.14748E9" max="2.14748E9" units="cm"/>
+          <inkml:channel name="F" type="integer" max="32767" units="dev"/>
+        </inkml:traceFormat>
+        <inkml:channelProperties>
+          <inkml:channelProperty channel="X" name="resolution" value="1000" units="1/cm"/>
+          <inkml:channelProperty channel="Y" name="resolution" value="1000" units="1/cm"/>
+          <inkml:channelProperty channel="F" name="resolution" value="0" units="1/dev"/>
+        </inkml:channelProperties>
+      </inkml:inkSource>
+      <inkml:timestamp xml:id="ts0" timeString="2025-04-27T05:26:42.514"/>
+    </inkml:context>
+    <inkml:brush xml:id="br0">
+      <inkml:brushProperty name="width" value="0.05" units="cm"/>
+      <inkml:brushProperty name="height" value="0.05" units="cm"/>
+      <inkml:brushProperty name="color" value="#E71224"/>
+    </inkml:brush>
+  </inkml:definitions>
+  <inkml:trace contextRef="#ctx0" brushRef="#br0">0 1 24575,'50'33'0,"-29"-23"0,1-1 0,0-2 0,0 0 0,1-1 0,0-1 0,0-1 0,0-2 0,38 1 0,3-2 0,94-3 0,-148 0 0,-1 0 0,1-1 0,-1 0 0,0 0 0,1-1 0,-2 0 0,1-1 0,14-9 0,9-5 0,-20 15 0,1 1 0,-1 0 0,1 1 0,-1 0 0,1 1 0,0 0 0,-1 1 0,1 0 0,20 4 0,16-1 0,701-3 0,-663 10 0,-37-3 0,48 7 0,-42-5 0,96 2 0,2743-13 71,-1460 4-1507,-1420-2-5390</inkml:trace>
+</inkml:ink>
+</file>
+
+<file path=ppt/ink/ink7.xml><?xml version="1.0" encoding="utf-8"?>
+<inkml:ink xmlns:inkml="http://www.w3.org/2003/InkML">
+  <inkml:definitions>
+    <inkml:context xml:id="ctx0">
+      <inkml:inkSource xml:id="inkSrc0">
+        <inkml:traceFormat>
+          <inkml:channel name="X" type="integer" min="-2.14748E9" max="2.14748E9" units="cm"/>
+          <inkml:channel name="Y" type="integer" min="-2.14748E9" max="2.14748E9" units="cm"/>
+          <inkml:channel name="F" type="integer" max="32767" units="dev"/>
+        </inkml:traceFormat>
+        <inkml:channelProperties>
+          <inkml:channelProperty channel="X" name="resolution" value="1000" units="1/cm"/>
+          <inkml:channelProperty channel="Y" name="resolution" value="1000" units="1/cm"/>
+          <inkml:channelProperty channel="F" name="resolution" value="0" units="1/dev"/>
+        </inkml:channelProperties>
+      </inkml:inkSource>
+      <inkml:timestamp xml:id="ts0" timeString="2025-04-27T05:26:45.225"/>
+    </inkml:context>
+    <inkml:brush xml:id="br0">
+      <inkml:brushProperty name="width" value="0.05" units="cm"/>
+      <inkml:brushProperty name="height" value="0.05" units="cm"/>
+      <inkml:brushProperty name="color" value="#E71224"/>
+    </inkml:brush>
+  </inkml:definitions>
+  <inkml:trace contextRef="#ctx0" brushRef="#br0">0 1 24575,'0'0'-8191</inkml:trace>
+</inkml:ink>
+</file>
+
+<file path=ppt/ink/ink8.xml><?xml version="1.0" encoding="utf-8"?>
+<inkml:ink xmlns:inkml="http://www.w3.org/2003/InkML">
+  <inkml:definitions>
+    <inkml:context xml:id="ctx0">
+      <inkml:inkSource xml:id="inkSrc0">
+        <inkml:traceFormat>
+          <inkml:channel name="X" type="integer" min="-2.14748E9" max="2.14748E9" units="cm"/>
+          <inkml:channel name="Y" type="integer" min="-2.14748E9" max="2.14748E9" units="cm"/>
+          <inkml:channel name="F" type="integer" max="32767" units="dev"/>
+        </inkml:traceFormat>
+        <inkml:channelProperties>
+          <inkml:channelProperty channel="X" name="resolution" value="1000" units="1/cm"/>
+          <inkml:channelProperty channel="Y" name="resolution" value="1000" units="1/cm"/>
+          <inkml:channelProperty channel="F" name="resolution" value="0" units="1/dev"/>
+        </inkml:channelProperties>
+      </inkml:inkSource>
+      <inkml:timestamp xml:id="ts0" timeString="2025-04-27T05:26:46.985"/>
+    </inkml:context>
+    <inkml:brush xml:id="br0">
+      <inkml:brushProperty name="width" value="0.05" units="cm"/>
+      <inkml:brushProperty name="height" value="0.05" units="cm"/>
+      <inkml:brushProperty name="color" value="#E71224"/>
+    </inkml:brush>
+  </inkml:definitions>
+  <inkml:trace contextRef="#ctx0" brushRef="#br0">0 19 24575,'991'0'0,"-808"-18"0,1951 19-1365,-2120-1-5461</inkml:trace>
+</inkml:ink>
+</file>
+
+<file path=ppt/ink/ink9.xml><?xml version="1.0" encoding="utf-8"?>
+<inkml:ink xmlns:inkml="http://www.w3.org/2003/InkML">
+  <inkml:definitions>
+    <inkml:context xml:id="ctx0">
+      <inkml:inkSource xml:id="inkSrc0">
+        <inkml:traceFormat>
+          <inkml:channel name="X" type="integer" min="-2.14748E9" max="2.14748E9" units="cm"/>
+          <inkml:channel name="Y" type="integer" min="-2.14748E9" max="2.14748E9" units="cm"/>
+          <inkml:channel name="F" type="integer" max="32767" units="dev"/>
+        </inkml:traceFormat>
+        <inkml:channelProperties>
+          <inkml:channelProperty channel="X" name="resolution" value="1000" units="1/cm"/>
+          <inkml:channelProperty channel="Y" name="resolution" value="1000" units="1/cm"/>
+          <inkml:channelProperty channel="F" name="resolution" value="0" units="1/dev"/>
+        </inkml:channelProperties>
+      </inkml:inkSource>
+      <inkml:timestamp xml:id="ts0" timeString="2025-04-27T05:29:13.815"/>
+    </inkml:context>
+    <inkml:brush xml:id="br0">
+      <inkml:brushProperty name="width" value="0.05" units="cm"/>
+      <inkml:brushProperty name="height" value="0.05" units="cm"/>
+      <inkml:brushProperty name="color" value="#E71224"/>
+    </inkml:brush>
+  </inkml:definitions>
+  <inkml:trace contextRef="#ctx0" brushRef="#br0">0 0 24575,'0'0'-8191</inkml:trace>
+</inkml:ink>
+</file>
+
 <file path=ppt/slideLayouts/slideLayout1.xml><?xml version="1.0" encoding="utf-8"?>
 <p:sldLayout xmlns:a="http://schemas.openxmlformats.org/drawingml/2006/main" xmlns:r="http://schemas.openxmlformats.org/officeDocument/2006/relationships" xmlns:p="http://schemas.openxmlformats.org/presentationml/2006/main" type="title" preserve="1">
   <p:cSld name="标题幻灯片">
@@ -325,7 +521,7 @@
           <a:p>
             <a:fld id="{53B7C04D-C613-4F98-BCC1-B34CFF116114}" type="datetimeFigureOut">
               <a:rPr lang="zh-CN" altLang="en-US" smtClean="0"/>
-              <a:t>2025/4/25</a:t>
+              <a:t>2025/4/27</a:t>
             </a:fld>
             <a:endParaRPr lang="zh-CN" altLang="en-US"/>
           </a:p>
@@ -523,7 +719,7 @@
           <a:p>
             <a:fld id="{53B7C04D-C613-4F98-BCC1-B34CFF116114}" type="datetimeFigureOut">
               <a:rPr lang="zh-CN" altLang="en-US" smtClean="0"/>
-              <a:t>2025/4/25</a:t>
+              <a:t>2025/4/27</a:t>
             </a:fld>
             <a:endParaRPr lang="zh-CN" altLang="en-US"/>
           </a:p>
@@ -731,7 +927,7 @@
           <a:p>
             <a:fld id="{53B7C04D-C613-4F98-BCC1-B34CFF116114}" type="datetimeFigureOut">
               <a:rPr lang="zh-CN" altLang="en-US" smtClean="0"/>
-              <a:t>2025/4/25</a:t>
+              <a:t>2025/4/27</a:t>
             </a:fld>
             <a:endParaRPr lang="zh-CN" altLang="en-US"/>
           </a:p>
@@ -929,7 +1125,7 @@
           <a:p>
             <a:fld id="{53B7C04D-C613-4F98-BCC1-B34CFF116114}" type="datetimeFigureOut">
               <a:rPr lang="zh-CN" altLang="en-US" smtClean="0"/>
-              <a:t>2025/4/25</a:t>
+              <a:t>2025/4/27</a:t>
             </a:fld>
             <a:endParaRPr lang="zh-CN" altLang="en-US"/>
           </a:p>
@@ -1204,7 +1400,7 @@
           <a:p>
             <a:fld id="{53B7C04D-C613-4F98-BCC1-B34CFF116114}" type="datetimeFigureOut">
               <a:rPr lang="zh-CN" altLang="en-US" smtClean="0"/>
-              <a:t>2025/4/25</a:t>
+              <a:t>2025/4/27</a:t>
             </a:fld>
             <a:endParaRPr lang="zh-CN" altLang="en-US"/>
           </a:p>
@@ -1469,7 +1665,7 @@
           <a:p>
             <a:fld id="{53B7C04D-C613-4F98-BCC1-B34CFF116114}" type="datetimeFigureOut">
               <a:rPr lang="zh-CN" altLang="en-US" smtClean="0"/>
-              <a:t>2025/4/25</a:t>
+              <a:t>2025/4/27</a:t>
             </a:fld>
             <a:endParaRPr lang="zh-CN" altLang="en-US"/>
           </a:p>
@@ -1881,7 +2077,7 @@
           <a:p>
             <a:fld id="{53B7C04D-C613-4F98-BCC1-B34CFF116114}" type="datetimeFigureOut">
               <a:rPr lang="zh-CN" altLang="en-US" smtClean="0"/>
-              <a:t>2025/4/25</a:t>
+              <a:t>2025/4/27</a:t>
             </a:fld>
             <a:endParaRPr lang="zh-CN" altLang="en-US"/>
           </a:p>
@@ -2022,7 +2218,7 @@
           <a:p>
             <a:fld id="{53B7C04D-C613-4F98-BCC1-B34CFF116114}" type="datetimeFigureOut">
               <a:rPr lang="zh-CN" altLang="en-US" smtClean="0"/>
-              <a:t>2025/4/25</a:t>
+              <a:t>2025/4/27</a:t>
             </a:fld>
             <a:endParaRPr lang="zh-CN" altLang="en-US"/>
           </a:p>
@@ -2135,7 +2331,7 @@
           <a:p>
             <a:fld id="{53B7C04D-C613-4F98-BCC1-B34CFF116114}" type="datetimeFigureOut">
               <a:rPr lang="zh-CN" altLang="en-US" smtClean="0"/>
-              <a:t>2025/4/25</a:t>
+              <a:t>2025/4/27</a:t>
             </a:fld>
             <a:endParaRPr lang="zh-CN" altLang="en-US"/>
           </a:p>
@@ -2446,7 +2642,7 @@
           <a:p>
             <a:fld id="{53B7C04D-C613-4F98-BCC1-B34CFF116114}" type="datetimeFigureOut">
               <a:rPr lang="zh-CN" altLang="en-US" smtClean="0"/>
-              <a:t>2025/4/25</a:t>
+              <a:t>2025/4/27</a:t>
             </a:fld>
             <a:endParaRPr lang="zh-CN" altLang="en-US"/>
           </a:p>
@@ -2734,7 +2930,7 @@
           <a:p>
             <a:fld id="{53B7C04D-C613-4F98-BCC1-B34CFF116114}" type="datetimeFigureOut">
               <a:rPr lang="zh-CN" altLang="en-US" smtClean="0"/>
-              <a:t>2025/4/25</a:t>
+              <a:t>2025/4/27</a:t>
             </a:fld>
             <a:endParaRPr lang="zh-CN" altLang="en-US"/>
           </a:p>
@@ -2975,7 +3171,7 @@
           <a:p>
             <a:fld id="{53B7C04D-C613-4F98-BCC1-B34CFF116114}" type="datetimeFigureOut">
               <a:rPr lang="zh-CN" altLang="en-US" smtClean="0"/>
-              <a:t>2025/4/25</a:t>
+              <a:t>2025/4/27</a:t>
             </a:fld>
             <a:endParaRPr lang="zh-CN" altLang="en-US"/>
           </a:p>
@@ -3847,8 +4043,8 @@
         </p:blipFill>
         <p:spPr>
           <a:xfrm>
-            <a:off x="6770193" y="1299765"/>
-            <a:ext cx="5177563" cy="4056642"/>
+            <a:off x="5366723" y="1299764"/>
+            <a:ext cx="6581034" cy="5156267"/>
           </a:xfrm>
           <a:prstGeom prst="rect">
             <a:avLst/>
@@ -4291,6 +4487,405 @@
           </a:p>
         </p:txBody>
       </p:sp>
+      <p:grpSp>
+        <p:nvGrpSpPr>
+          <p:cNvPr id="12" name="组合 11">
+            <a:extLst>
+              <a:ext uri="{FF2B5EF4-FFF2-40B4-BE49-F238E27FC236}">
+                <a16:creationId xmlns:a16="http://schemas.microsoft.com/office/drawing/2014/main" id="{6C579521-96C0-8D6E-CDC0-70740C13294E}"/>
+              </a:ext>
+            </a:extLst>
+          </p:cNvPr>
+          <p:cNvGrpSpPr/>
+          <p:nvPr/>
+        </p:nvGrpSpPr>
+        <p:grpSpPr>
+          <a:xfrm>
+            <a:off x="1810343" y="3620530"/>
+            <a:ext cx="460440" cy="12600"/>
+            <a:chOff x="1810343" y="3620530"/>
+            <a:chExt cx="460440" cy="12600"/>
+          </a:xfrm>
+        </p:grpSpPr>
+        <mc:AlternateContent xmlns:mc="http://schemas.openxmlformats.org/markup-compatibility/2006">
+          <mc:Choice xmlns:p14="http://schemas.microsoft.com/office/powerpoint/2010/main" Requires="p14">
+            <p:contentPart p14:bwMode="auto" r:id="rId4">
+              <p14:nvContentPartPr>
+                <p14:cNvPr id="9" name="墨迹 8">
+                  <a:extLst>
+                    <a:ext uri="{FF2B5EF4-FFF2-40B4-BE49-F238E27FC236}">
+                      <a16:creationId xmlns:a16="http://schemas.microsoft.com/office/drawing/2014/main" id="{F6E7DCE9-F545-B860-042D-4DBCDE27DFBA}"/>
+                    </a:ext>
+                  </a:extLst>
+                </p14:cNvPr>
+                <p14:cNvContentPartPr/>
+                <p14:nvPr/>
+              </p14:nvContentPartPr>
+              <p14:xfrm>
+                <a:off x="1810343" y="3620530"/>
+                <a:ext cx="360" cy="360"/>
+              </p14:xfrm>
+            </p:contentPart>
+          </mc:Choice>
+          <mc:Fallback>
+            <p:pic>
+              <p:nvPicPr>
+                <p:cNvPr id="9" name="墨迹 8">
+                  <a:extLst>
+                    <a:ext uri="{FF2B5EF4-FFF2-40B4-BE49-F238E27FC236}">
+                      <a16:creationId xmlns:a16="http://schemas.microsoft.com/office/drawing/2014/main" id="{F6E7DCE9-F545-B860-042D-4DBCDE27DFBA}"/>
+                    </a:ext>
+                  </a:extLst>
+                </p:cNvPr>
+                <p:cNvPicPr/>
+                <p:nvPr/>
+              </p:nvPicPr>
+              <p:blipFill>
+                <a:blip r:embed="rId5"/>
+                <a:stretch>
+                  <a:fillRect/>
+                </a:stretch>
+              </p:blipFill>
+              <p:spPr>
+                <a:xfrm>
+                  <a:off x="1801343" y="3611890"/>
+                  <a:ext cx="18000" cy="18000"/>
+                </a:xfrm>
+                <a:prstGeom prst="rect">
+                  <a:avLst/>
+                </a:prstGeom>
+              </p:spPr>
+            </p:pic>
+          </mc:Fallback>
+        </mc:AlternateContent>
+        <mc:AlternateContent xmlns:mc="http://schemas.openxmlformats.org/markup-compatibility/2006">
+          <mc:Choice xmlns:p14="http://schemas.microsoft.com/office/powerpoint/2010/main" Requires="p14">
+            <p:contentPart p14:bwMode="auto" r:id="rId6">
+              <p14:nvContentPartPr>
+                <p14:cNvPr id="3" name="墨迹 2">
+                  <a:extLst>
+                    <a:ext uri="{FF2B5EF4-FFF2-40B4-BE49-F238E27FC236}">
+                      <a16:creationId xmlns:a16="http://schemas.microsoft.com/office/drawing/2014/main" id="{898834A6-CF0E-B310-25C9-142D1EC30164}"/>
+                    </a:ext>
+                  </a:extLst>
+                </p14:cNvPr>
+                <p14:cNvContentPartPr/>
+                <p14:nvPr/>
+              </p14:nvContentPartPr>
+              <p14:xfrm>
+                <a:off x="2270423" y="3632770"/>
+                <a:ext cx="360" cy="360"/>
+              </p14:xfrm>
+            </p:contentPart>
+          </mc:Choice>
+          <mc:Fallback>
+            <p:pic>
+              <p:nvPicPr>
+                <p:cNvPr id="3" name="墨迹 2">
+                  <a:extLst>
+                    <a:ext uri="{FF2B5EF4-FFF2-40B4-BE49-F238E27FC236}">
+                      <a16:creationId xmlns:a16="http://schemas.microsoft.com/office/drawing/2014/main" id="{898834A6-CF0E-B310-25C9-142D1EC30164}"/>
+                    </a:ext>
+                  </a:extLst>
+                </p:cNvPr>
+                <p:cNvPicPr/>
+                <p:nvPr/>
+              </p:nvPicPr>
+              <p:blipFill>
+                <a:blip r:embed="rId5"/>
+                <a:stretch>
+                  <a:fillRect/>
+                </a:stretch>
+              </p:blipFill>
+              <p:spPr>
+                <a:xfrm>
+                  <a:off x="2261423" y="3624130"/>
+                  <a:ext cx="18000" cy="18000"/>
+                </a:xfrm>
+                <a:prstGeom prst="rect">
+                  <a:avLst/>
+                </a:prstGeom>
+              </p:spPr>
+            </p:pic>
+          </mc:Fallback>
+        </mc:AlternateContent>
+        <mc:AlternateContent xmlns:mc="http://schemas.openxmlformats.org/markup-compatibility/2006">
+          <mc:Choice xmlns:p14="http://schemas.microsoft.com/office/powerpoint/2010/main" Requires="p14">
+            <p:contentPart p14:bwMode="auto" r:id="rId7">
+              <p14:nvContentPartPr>
+                <p14:cNvPr id="4" name="墨迹 3">
+                  <a:extLst>
+                    <a:ext uri="{FF2B5EF4-FFF2-40B4-BE49-F238E27FC236}">
+                      <a16:creationId xmlns:a16="http://schemas.microsoft.com/office/drawing/2014/main" id="{6D490B97-D7AE-76ED-1D86-5A5CA8918BF3}"/>
+                    </a:ext>
+                  </a:extLst>
+                </p14:cNvPr>
+                <p14:cNvContentPartPr/>
+                <p14:nvPr/>
+              </p14:nvContentPartPr>
+              <p14:xfrm>
+                <a:off x="1810343" y="3620530"/>
+                <a:ext cx="360" cy="360"/>
+              </p14:xfrm>
+            </p:contentPart>
+          </mc:Choice>
+          <mc:Fallback>
+            <p:pic>
+              <p:nvPicPr>
+                <p:cNvPr id="4" name="墨迹 3">
+                  <a:extLst>
+                    <a:ext uri="{FF2B5EF4-FFF2-40B4-BE49-F238E27FC236}">
+                      <a16:creationId xmlns:a16="http://schemas.microsoft.com/office/drawing/2014/main" id="{6D490B97-D7AE-76ED-1D86-5A5CA8918BF3}"/>
+                    </a:ext>
+                  </a:extLst>
+                </p:cNvPr>
+                <p:cNvPicPr/>
+                <p:nvPr/>
+              </p:nvPicPr>
+              <p:blipFill>
+                <a:blip r:embed="rId5"/>
+                <a:stretch>
+                  <a:fillRect/>
+                </a:stretch>
+              </p:blipFill>
+              <p:spPr>
+                <a:xfrm>
+                  <a:off x="1801343" y="3611890"/>
+                  <a:ext cx="18000" cy="18000"/>
+                </a:xfrm>
+                <a:prstGeom prst="rect">
+                  <a:avLst/>
+                </a:prstGeom>
+              </p:spPr>
+            </p:pic>
+          </mc:Fallback>
+        </mc:AlternateContent>
+      </p:grpSp>
+      <mc:AlternateContent xmlns:mc="http://schemas.openxmlformats.org/markup-compatibility/2006">
+        <mc:Choice xmlns:p14="http://schemas.microsoft.com/office/powerpoint/2010/main" Requires="p14">
+          <p:contentPart p14:bwMode="auto" r:id="rId8">
+            <p14:nvContentPartPr>
+              <p14:cNvPr id="10" name="墨迹 9">
+                <a:extLst>
+                  <a:ext uri="{FF2B5EF4-FFF2-40B4-BE49-F238E27FC236}">
+                    <a16:creationId xmlns:a16="http://schemas.microsoft.com/office/drawing/2014/main" id="{187599BA-E8E7-4788-846A-31AA9981DC92}"/>
+                  </a:ext>
+                </a:extLst>
+              </p14:cNvPr>
+              <p14:cNvContentPartPr/>
+              <p14:nvPr/>
+            </p14:nvContentPartPr>
+            <p14:xfrm>
+              <a:off x="1810343" y="3620530"/>
+              <a:ext cx="2294640" cy="31680"/>
+            </p14:xfrm>
+          </p:contentPart>
+        </mc:Choice>
+        <mc:Fallback>
+          <p:pic>
+            <p:nvPicPr>
+              <p:cNvPr id="10" name="墨迹 9">
+                <a:extLst>
+                  <a:ext uri="{FF2B5EF4-FFF2-40B4-BE49-F238E27FC236}">
+                    <a16:creationId xmlns:a16="http://schemas.microsoft.com/office/drawing/2014/main" id="{187599BA-E8E7-4788-846A-31AA9981DC92}"/>
+                  </a:ext>
+                </a:extLst>
+              </p:cNvPr>
+              <p:cNvPicPr/>
+              <p:nvPr/>
+            </p:nvPicPr>
+            <p:blipFill>
+              <a:blip r:embed="rId9"/>
+              <a:stretch>
+                <a:fillRect/>
+              </a:stretch>
+            </p:blipFill>
+            <p:spPr>
+              <a:xfrm>
+                <a:off x="1801343" y="3611890"/>
+                <a:ext cx="2312280" cy="49320"/>
+              </a:xfrm>
+              <a:prstGeom prst="rect">
+                <a:avLst/>
+              </a:prstGeom>
+            </p:spPr>
+          </p:pic>
+        </mc:Fallback>
+      </mc:AlternateContent>
+      <p:grpSp>
+        <p:nvGrpSpPr>
+          <p:cNvPr id="15" name="组合 14">
+            <a:extLst>
+              <a:ext uri="{FF2B5EF4-FFF2-40B4-BE49-F238E27FC236}">
+                <a16:creationId xmlns:a16="http://schemas.microsoft.com/office/drawing/2014/main" id="{67AB52DE-F744-B41B-561B-C03562E3DC27}"/>
+              </a:ext>
+            </a:extLst>
+          </p:cNvPr>
+          <p:cNvGrpSpPr/>
+          <p:nvPr/>
+        </p:nvGrpSpPr>
+        <p:grpSpPr>
+          <a:xfrm>
+            <a:off x="7192343" y="2957410"/>
+            <a:ext cx="1196280" cy="6840"/>
+            <a:chOff x="7192343" y="2957410"/>
+            <a:chExt cx="1196280" cy="6840"/>
+          </a:xfrm>
+        </p:grpSpPr>
+        <mc:AlternateContent xmlns:mc="http://schemas.openxmlformats.org/markup-compatibility/2006">
+          <mc:Choice xmlns:p14="http://schemas.microsoft.com/office/powerpoint/2010/main" Requires="p14">
+            <p:contentPart p14:bwMode="auto" r:id="rId10">
+              <p14:nvContentPartPr>
+                <p14:cNvPr id="13" name="墨迹 12">
+                  <a:extLst>
+                    <a:ext uri="{FF2B5EF4-FFF2-40B4-BE49-F238E27FC236}">
+                      <a16:creationId xmlns:a16="http://schemas.microsoft.com/office/drawing/2014/main" id="{9C7EFD47-987D-8E73-D756-336098F386E5}"/>
+                    </a:ext>
+                  </a:extLst>
+                </p14:cNvPr>
+                <p14:cNvContentPartPr/>
+                <p14:nvPr/>
+              </p14:nvContentPartPr>
+              <p14:xfrm>
+                <a:off x="7192343" y="2963890"/>
+                <a:ext cx="360" cy="360"/>
+              </p14:xfrm>
+            </p:contentPart>
+          </mc:Choice>
+          <mc:Fallback>
+            <p:pic>
+              <p:nvPicPr>
+                <p:cNvPr id="13" name="墨迹 12">
+                  <a:extLst>
+                    <a:ext uri="{FF2B5EF4-FFF2-40B4-BE49-F238E27FC236}">
+                      <a16:creationId xmlns:a16="http://schemas.microsoft.com/office/drawing/2014/main" id="{9C7EFD47-987D-8E73-D756-336098F386E5}"/>
+                    </a:ext>
+                  </a:extLst>
+                </p:cNvPr>
+                <p:cNvPicPr/>
+                <p:nvPr/>
+              </p:nvPicPr>
+              <p:blipFill>
+                <a:blip r:embed="rId5"/>
+                <a:stretch>
+                  <a:fillRect/>
+                </a:stretch>
+              </p:blipFill>
+              <p:spPr>
+                <a:xfrm>
+                  <a:off x="7183343" y="2955250"/>
+                  <a:ext cx="18000" cy="18000"/>
+                </a:xfrm>
+                <a:prstGeom prst="rect">
+                  <a:avLst/>
+                </a:prstGeom>
+              </p:spPr>
+            </p:pic>
+          </mc:Fallback>
+        </mc:AlternateContent>
+        <mc:AlternateContent xmlns:mc="http://schemas.openxmlformats.org/markup-compatibility/2006">
+          <mc:Choice xmlns:p14="http://schemas.microsoft.com/office/powerpoint/2010/main" Requires="p14">
+            <p:contentPart p14:bwMode="auto" r:id="rId11">
+              <p14:nvContentPartPr>
+                <p14:cNvPr id="14" name="墨迹 13">
+                  <a:extLst>
+                    <a:ext uri="{FF2B5EF4-FFF2-40B4-BE49-F238E27FC236}">
+                      <a16:creationId xmlns:a16="http://schemas.microsoft.com/office/drawing/2014/main" id="{CDD94BEB-55BE-865C-4C25-A2BE3F6D41CD}"/>
+                    </a:ext>
+                  </a:extLst>
+                </p14:cNvPr>
+                <p14:cNvContentPartPr/>
+                <p14:nvPr/>
+              </p14:nvContentPartPr>
+              <p14:xfrm>
+                <a:off x="7192343" y="2957410"/>
+                <a:ext cx="1196280" cy="6840"/>
+              </p14:xfrm>
+            </p:contentPart>
+          </mc:Choice>
+          <mc:Fallback>
+            <p:pic>
+              <p:nvPicPr>
+                <p:cNvPr id="14" name="墨迹 13">
+                  <a:extLst>
+                    <a:ext uri="{FF2B5EF4-FFF2-40B4-BE49-F238E27FC236}">
+                      <a16:creationId xmlns:a16="http://schemas.microsoft.com/office/drawing/2014/main" id="{CDD94BEB-55BE-865C-4C25-A2BE3F6D41CD}"/>
+                    </a:ext>
+                  </a:extLst>
+                </p:cNvPr>
+                <p:cNvPicPr/>
+                <p:nvPr/>
+              </p:nvPicPr>
+              <p:blipFill>
+                <a:blip r:embed="rId12"/>
+                <a:stretch>
+                  <a:fillRect/>
+                </a:stretch>
+              </p:blipFill>
+              <p:spPr>
+                <a:xfrm>
+                  <a:off x="7183343" y="2948770"/>
+                  <a:ext cx="1213920" cy="24480"/>
+                </a:xfrm>
+                <a:prstGeom prst="rect">
+                  <a:avLst/>
+                </a:prstGeom>
+              </p:spPr>
+            </p:pic>
+          </mc:Fallback>
+        </mc:AlternateContent>
+      </p:grpSp>
+      <mc:AlternateContent xmlns:mc="http://schemas.openxmlformats.org/markup-compatibility/2006">
+        <mc:Choice xmlns:p14="http://schemas.microsoft.com/office/powerpoint/2010/main" Requires="p14">
+          <p:contentPart p14:bwMode="auto" r:id="rId13">
+            <p14:nvContentPartPr>
+              <p14:cNvPr id="16" name="墨迹 15">
+                <a:extLst>
+                  <a:ext uri="{FF2B5EF4-FFF2-40B4-BE49-F238E27FC236}">
+                    <a16:creationId xmlns:a16="http://schemas.microsoft.com/office/drawing/2014/main" id="{E21862DA-3E5F-4D67-A83C-CD4FBB59CB45}"/>
+                  </a:ext>
+                </a:extLst>
+              </p14:cNvPr>
+              <p14:cNvContentPartPr/>
+              <p14:nvPr/>
+            </p14:nvContentPartPr>
+            <p14:xfrm>
+              <a:off x="674903" y="6419170"/>
+              <a:ext cx="360" cy="360"/>
+            </p14:xfrm>
+          </p:contentPart>
+        </mc:Choice>
+        <mc:Fallback>
+          <p:pic>
+            <p:nvPicPr>
+              <p:cNvPr id="16" name="墨迹 15">
+                <a:extLst>
+                  <a:ext uri="{FF2B5EF4-FFF2-40B4-BE49-F238E27FC236}">
+                    <a16:creationId xmlns:a16="http://schemas.microsoft.com/office/drawing/2014/main" id="{E21862DA-3E5F-4D67-A83C-CD4FBB59CB45}"/>
+                  </a:ext>
+                </a:extLst>
+              </p:cNvPr>
+              <p:cNvPicPr/>
+              <p:nvPr/>
+            </p:nvPicPr>
+            <p:blipFill>
+              <a:blip r:embed="rId5"/>
+              <a:stretch>
+                <a:fillRect/>
+              </a:stretch>
+            </p:blipFill>
+            <p:spPr>
+              <a:xfrm>
+                <a:off x="665903" y="6410170"/>
+                <a:ext cx="18000" cy="18000"/>
+              </a:xfrm>
+              <a:prstGeom prst="rect">
+                <a:avLst/>
+              </a:prstGeom>
+            </p:spPr>
+          </p:pic>
+        </mc:Fallback>
+      </mc:AlternateContent>
     </p:spTree>
     <p:extLst>
       <p:ext uri="{BB962C8B-B14F-4D97-AF65-F5344CB8AC3E}">
@@ -4400,7 +4995,7 @@
             </a:pPr>
             <a:r>
               <a:rPr lang="zh-CN" altLang="en-US" dirty="0"/>
-              <a:t>该论文拓展元模型的做法其实比较牵强，但给出的转换规则细节要比上一篇的详细，理解了元模型对应转换应该怎么做；</a:t>
+              <a:t>该论文拓展元但给出的转换规则细节要比上一篇的详细，理解了元模型对应转换应该怎么做；模型的做法其实比较牵强，</a:t>
             </a:r>
             <a:endParaRPr lang="en-US" altLang="zh-CN" dirty="0"/>
           </a:p>
@@ -4426,7 +5021,15 @@
             </a:pPr>
             <a:r>
               <a:rPr lang="zh-CN" altLang="en-US" dirty="0"/>
-              <a:t>下一步：该论文给出了很多可以参考的文献，选择一篇国外的会议论文进行阅读学习</a:t>
+              <a:t>下一步：该论文给出了很多可以参考的文献，选择一篇</a:t>
+            </a:r>
+            <a:r>
+              <a:rPr lang="zh-CN" altLang="en-US"/>
+              <a:t>国外的拓展元模型的会</a:t>
+            </a:r>
+            <a:r>
+              <a:rPr lang="zh-CN" altLang="en-US" dirty="0"/>
+              <a:t>议论文进行阅读学习</a:t>
             </a:r>
           </a:p>
         </p:txBody>
@@ -5736,8 +6339,8 @@
           </a:prstGeom>
         </p:spPr>
       </p:pic>
-      <mc:AlternateContent xmlns:mc="http://schemas.openxmlformats.org/markup-compatibility/2006">
-        <mc:Choice xmlns:p14="http://schemas.microsoft.com/office/powerpoint/2010/main" Requires="p14">
+      <mc:AlternateContent xmlns:mc="http://schemas.openxmlformats.org/markup-compatibility/2006" xmlns:p14="http://schemas.microsoft.com/office/powerpoint/2010/main">
+        <mc:Choice Requires="p14">
           <p:contentPart p14:bwMode="auto" r:id="rId4">
             <p14:nvContentPartPr>
               <p14:cNvPr id="7" name="墨迹 6">
@@ -5756,7 +6359,7 @@
             </p14:xfrm>
           </p:contentPart>
         </mc:Choice>
-        <mc:Fallback>
+        <mc:Fallback xmlns="">
           <p:pic>
             <p:nvPicPr>
               <p:cNvPr id="7" name="墨迹 6">
@@ -5787,8 +6390,8 @@
           </p:pic>
         </mc:Fallback>
       </mc:AlternateContent>
-      <mc:AlternateContent xmlns:mc="http://schemas.openxmlformats.org/markup-compatibility/2006">
-        <mc:Choice xmlns:p14="http://schemas.microsoft.com/office/powerpoint/2010/main" Requires="p14">
+      <mc:AlternateContent xmlns:mc="http://schemas.openxmlformats.org/markup-compatibility/2006" xmlns:p14="http://schemas.microsoft.com/office/powerpoint/2010/main">
+        <mc:Choice Requires="p14">
           <p:contentPart p14:bwMode="auto" r:id="rId6">
             <p14:nvContentPartPr>
               <p14:cNvPr id="8" name="墨迹 7">
@@ -5807,7 +6410,7 @@
             </p14:xfrm>
           </p:contentPart>
         </mc:Choice>
-        <mc:Fallback>
+        <mc:Fallback xmlns="">
           <p:pic>
             <p:nvPicPr>
               <p:cNvPr id="8" name="墨迹 7">
